--- a/06./aiseminar_김형섭_20210705.pptx
+++ b/06./aiseminar_김형섭_20210705.pptx
@@ -116,6 +116,11 @@
       </a:defRPr>
     </a:lvl9pPr>
   </p:defaultTextStyle>
+  <p:extLst>
+    <p:ext uri="{EFAFB233-063F-42B5-8137-9DF3F51BA10A}">
+      <p15:sldGuideLst xmlns:p15="http://schemas.microsoft.com/office/powerpoint/2012/main"/>
+    </p:ext>
+  </p:extLst>
 </p:presentation>
 </file>
 
@@ -3727,98 +3732,6 @@
       </p:sp>
       <p:sp>
         <p:nvSpPr>
-          <p:cNvPr id="6" name="TextBox 5">
-            <a:extLst>
-              <a:ext uri="{FF2B5EF4-FFF2-40B4-BE49-F238E27FC236}">
-                <a16:creationId xmlns:a16="http://schemas.microsoft.com/office/drawing/2014/main" id="{FBA23DD1-A0B5-4233-B2F7-A56A51AC1359}"/>
-              </a:ext>
-            </a:extLst>
-          </p:cNvPr>
-          <p:cNvSpPr txBox="1"/>
-          <p:nvPr/>
-        </p:nvSpPr>
-        <p:spPr>
-          <a:xfrm>
-            <a:off x="505404" y="4299446"/>
-            <a:ext cx="9942722" cy="1522020"/>
-          </a:xfrm>
-          <a:prstGeom prst="rect">
-            <a:avLst/>
-          </a:prstGeom>
-          <a:noFill/>
-        </p:spPr>
-        <p:txBody>
-          <a:bodyPr wrap="none" rtlCol="0">
-            <a:spAutoFit/>
-          </a:bodyPr>
-          <a:lstStyle/>
-          <a:p>
-            <a:pPr marL="285750" indent="-285750">
-              <a:lnSpc>
-                <a:spcPct val="150000"/>
-              </a:lnSpc>
-              <a:buFont typeface="Arial" panose="020B0604020202020204" pitchFamily="34" charset="0"/>
-              <a:buChar char="•"/>
-            </a:pPr>
-            <a:r>
-              <a:rPr lang="en-US" altLang="ko-KR" sz="1600" dirty="0"/>
-              <a:t>Batch-size</a:t>
-            </a:r>
-            <a:r>
-              <a:rPr lang="ko-KR" altLang="en-US" sz="1600" dirty="0"/>
-              <a:t>에 의존적이고</a:t>
-            </a:r>
-            <a:r>
-              <a:rPr lang="en-US" altLang="ko-KR" sz="1600" dirty="0"/>
-              <a:t>, RNN</a:t>
-            </a:r>
-            <a:r>
-              <a:rPr lang="ko-KR" altLang="en-US" sz="1600" dirty="0"/>
-              <a:t>에는 적용하기 힘든 </a:t>
-            </a:r>
-            <a:r>
-              <a:rPr lang="en-US" altLang="ko-KR" sz="1600" dirty="0"/>
-              <a:t>batch normalization</a:t>
-            </a:r>
-            <a:r>
-              <a:rPr lang="ko-KR" altLang="en-US" sz="1600" dirty="0"/>
-              <a:t>의 단점을 보완하기 위해 제안됨</a:t>
-            </a:r>
-            <a:endParaRPr lang="en-US" altLang="ko-KR" sz="1600" dirty="0"/>
-          </a:p>
-          <a:p>
-            <a:pPr marL="285750" indent="-285750">
-              <a:lnSpc>
-                <a:spcPct val="150000"/>
-              </a:lnSpc>
-              <a:buFont typeface="Arial" panose="020B0604020202020204" pitchFamily="34" charset="0"/>
-              <a:buChar char="•"/>
-            </a:pPr>
-            <a:r>
-              <a:rPr lang="en-US" altLang="ko-KR" sz="1600" dirty="0"/>
-              <a:t>Procedure:</a:t>
-            </a:r>
-          </a:p>
-          <a:p>
-            <a:pPr>
-              <a:lnSpc>
-                <a:spcPct val="150000"/>
-              </a:lnSpc>
-            </a:pPr>
-            <a:endParaRPr lang="en-US" altLang="ko-KR" sz="1600" dirty="0"/>
-          </a:p>
-          <a:p>
-            <a:pPr>
-              <a:lnSpc>
-                <a:spcPct val="150000"/>
-              </a:lnSpc>
-            </a:pPr>
-            <a:endParaRPr lang="ko-KR" altLang="en-US" sz="1600" dirty="0"/>
-          </a:p>
-        </p:txBody>
-      </p:sp>
-      <p:sp>
-        <p:nvSpPr>
           <p:cNvPr id="57" name="TextBox 56">
             <a:extLst>
               <a:ext uri="{FF2B5EF4-FFF2-40B4-BE49-F238E27FC236}">
@@ -4595,8 +4508,8 @@
           </a:p>
         </p:txBody>
       </p:sp>
-      <mc:AlternateContent xmlns:mc="http://schemas.openxmlformats.org/markup-compatibility/2006">
-        <mc:Choice xmlns:a14="http://schemas.microsoft.com/office/drawing/2010/main" Requires="a14">
+      <mc:AlternateContent xmlns:mc="http://schemas.openxmlformats.org/markup-compatibility/2006" xmlns:a14="http://schemas.microsoft.com/office/drawing/2010/main">
+        <mc:Choice Requires="a14">
           <p:sp>
             <p:nvSpPr>
               <p:cNvPr id="10" name="TextBox 9">
@@ -4625,6 +4538,7 @@
               </a:bodyPr>
               <a:lstStyle/>
               <a:p>
+                <a:pPr/>
                 <a14:m>
                   <m:oMathPara xmlns:m="http://schemas.openxmlformats.org/officeDocument/2006/math">
                     <m:oMathParaPr>
@@ -4676,7 +4590,7 @@
             </p:txBody>
           </p:sp>
         </mc:Choice>
-        <mc:Fallback>
+        <mc:Fallback xmlns="">
           <p:sp>
             <p:nvSpPr>
               <p:cNvPr id="10" name="TextBox 9">
@@ -4721,8 +4635,8 @@
           </p:sp>
         </mc:Fallback>
       </mc:AlternateContent>
-      <mc:AlternateContent xmlns:mc="http://schemas.openxmlformats.org/markup-compatibility/2006">
-        <mc:Choice xmlns:a14="http://schemas.microsoft.com/office/drawing/2010/main" Requires="a14">
+      <mc:AlternateContent xmlns:mc="http://schemas.openxmlformats.org/markup-compatibility/2006" xmlns:a14="http://schemas.microsoft.com/office/drawing/2010/main">
+        <mc:Choice Requires="a14">
           <p:sp>
             <p:nvSpPr>
               <p:cNvPr id="20" name="직사각형 19">
@@ -4822,7 +4736,7 @@
             </p:txBody>
           </p:sp>
         </mc:Choice>
-        <mc:Fallback>
+        <mc:Fallback xmlns="">
           <p:sp>
             <p:nvSpPr>
               <p:cNvPr id="20" name="직사각형 19">
@@ -4868,8 +4782,8 @@
           </p:sp>
         </mc:Fallback>
       </mc:AlternateContent>
-      <mc:AlternateContent xmlns:mc="http://schemas.openxmlformats.org/markup-compatibility/2006">
-        <mc:Choice xmlns:a14="http://schemas.microsoft.com/office/drawing/2010/main" Requires="a14">
+      <mc:AlternateContent xmlns:mc="http://schemas.openxmlformats.org/markup-compatibility/2006" xmlns:a14="http://schemas.microsoft.com/office/drawing/2010/main">
+        <mc:Choice Requires="a14">
           <p:sp>
             <p:nvSpPr>
               <p:cNvPr id="12" name="TextBox 11">
@@ -4898,6 +4812,7 @@
               </a:bodyPr>
               <a:lstStyle/>
               <a:p>
+                <a:pPr/>
                 <a14:m>
                   <m:oMathPara xmlns:m="http://schemas.openxmlformats.org/officeDocument/2006/math">
                     <m:oMathParaPr>
@@ -4918,7 +4833,7 @@
             </p:txBody>
           </p:sp>
         </mc:Choice>
-        <mc:Fallback>
+        <mc:Fallback xmlns="">
           <p:sp>
             <p:nvSpPr>
               <p:cNvPr id="12" name="TextBox 11">
@@ -5184,8 +5099,8 @@
           </a:p>
         </p:txBody>
       </p:sp>
-      <mc:AlternateContent xmlns:mc="http://schemas.openxmlformats.org/markup-compatibility/2006">
-        <mc:Choice xmlns:a14="http://schemas.microsoft.com/office/drawing/2010/main" Requires="a14">
+      <mc:AlternateContent xmlns:mc="http://schemas.openxmlformats.org/markup-compatibility/2006" xmlns:a14="http://schemas.microsoft.com/office/drawing/2010/main">
+        <mc:Choice Requires="a14">
           <p:sp>
             <p:nvSpPr>
               <p:cNvPr id="30" name="TextBox 29">
@@ -5214,6 +5129,7 @@
               </a:bodyPr>
               <a:lstStyle/>
               <a:p>
+                <a:pPr/>
                 <a14:m>
                   <m:oMathPara xmlns:m="http://schemas.openxmlformats.org/officeDocument/2006/math">
                     <m:oMathParaPr>
@@ -5265,7 +5181,7 @@
             </p:txBody>
           </p:sp>
         </mc:Choice>
-        <mc:Fallback>
+        <mc:Fallback xmlns="">
           <p:sp>
             <p:nvSpPr>
               <p:cNvPr id="30" name="TextBox 29">
@@ -5409,8 +5325,8 @@
           </a:p>
         </p:txBody>
       </p:sp>
-      <mc:AlternateContent xmlns:mc="http://schemas.openxmlformats.org/markup-compatibility/2006">
-        <mc:Choice xmlns:a14="http://schemas.microsoft.com/office/drawing/2010/main" Requires="a14">
+      <mc:AlternateContent xmlns:mc="http://schemas.openxmlformats.org/markup-compatibility/2006" xmlns:a14="http://schemas.microsoft.com/office/drawing/2010/main">
+        <mc:Choice Requires="a14">
           <p:sp>
             <p:nvSpPr>
               <p:cNvPr id="33" name="TextBox 32">
@@ -5439,6 +5355,7 @@
               </a:bodyPr>
               <a:lstStyle/>
               <a:p>
+                <a:pPr/>
                 <a14:m>
                   <m:oMathPara xmlns:m="http://schemas.openxmlformats.org/officeDocument/2006/math">
                     <m:oMathParaPr>
@@ -5478,7 +5395,7 @@
             </p:txBody>
           </p:sp>
         </mc:Choice>
-        <mc:Fallback>
+        <mc:Fallback xmlns="">
           <p:sp>
             <p:nvSpPr>
               <p:cNvPr id="33" name="TextBox 32">
@@ -5523,8 +5440,8 @@
           </p:sp>
         </mc:Fallback>
       </mc:AlternateContent>
-      <mc:AlternateContent xmlns:mc="http://schemas.openxmlformats.org/markup-compatibility/2006">
-        <mc:Choice xmlns:a14="http://schemas.microsoft.com/office/drawing/2010/main" Requires="a14">
+      <mc:AlternateContent xmlns:mc="http://schemas.openxmlformats.org/markup-compatibility/2006" xmlns:a14="http://schemas.microsoft.com/office/drawing/2010/main">
+        <mc:Choice Requires="a14">
           <p:sp>
             <p:nvSpPr>
               <p:cNvPr id="42" name="TextBox 41">
@@ -5553,6 +5470,7 @@
               </a:bodyPr>
               <a:lstStyle/>
               <a:p>
+                <a:pPr/>
                 <a14:m>
                   <m:oMathPara xmlns:m="http://schemas.openxmlformats.org/officeDocument/2006/math">
                     <m:oMathParaPr>
@@ -5724,7 +5642,7 @@
             </p:txBody>
           </p:sp>
         </mc:Choice>
-        <mc:Fallback>
+        <mc:Fallback xmlns="">
           <p:sp>
             <p:nvSpPr>
               <p:cNvPr id="42" name="TextBox 41">
@@ -6019,8 +5937,8 @@
           </a:p>
         </p:txBody>
       </p:sp>
-      <mc:AlternateContent xmlns:mc="http://schemas.openxmlformats.org/markup-compatibility/2006">
-        <mc:Choice xmlns:a14="http://schemas.microsoft.com/office/drawing/2010/main" Requires="a14">
+      <mc:AlternateContent xmlns:mc="http://schemas.openxmlformats.org/markup-compatibility/2006" xmlns:a14="http://schemas.microsoft.com/office/drawing/2010/main">
+        <mc:Choice Requires="a14">
           <p:sp>
             <p:nvSpPr>
               <p:cNvPr id="56" name="TextBox 55">
@@ -6049,6 +5967,7 @@
               </a:bodyPr>
               <a:lstStyle/>
               <a:p>
+                <a:pPr/>
                 <a14:m>
                   <m:oMathPara xmlns:m="http://schemas.openxmlformats.org/officeDocument/2006/math">
                     <m:oMathParaPr>
@@ -6112,7 +6031,7 @@
             </p:txBody>
           </p:sp>
         </mc:Choice>
-        <mc:Fallback>
+        <mc:Fallback xmlns="">
           <p:sp>
             <p:nvSpPr>
               <p:cNvPr id="56" name="TextBox 55">
@@ -6157,8 +6076,8 @@
           </p:sp>
         </mc:Fallback>
       </mc:AlternateContent>
-      <mc:AlternateContent xmlns:mc="http://schemas.openxmlformats.org/markup-compatibility/2006">
-        <mc:Choice xmlns:a14="http://schemas.microsoft.com/office/drawing/2010/main" Requires="a14">
+      <mc:AlternateContent xmlns:mc="http://schemas.openxmlformats.org/markup-compatibility/2006" xmlns:a14="http://schemas.microsoft.com/office/drawing/2010/main">
+        <mc:Choice Requires="a14">
           <p:sp>
             <p:nvSpPr>
               <p:cNvPr id="57" name="TextBox 56">
@@ -6187,6 +6106,7 @@
               </a:bodyPr>
               <a:lstStyle/>
               <a:p>
+                <a:pPr/>
                 <a14:m>
                   <m:oMathPara xmlns:m="http://schemas.openxmlformats.org/officeDocument/2006/math">
                     <m:oMathParaPr>
@@ -6208,7 +6128,7 @@
             </p:txBody>
           </p:sp>
         </mc:Choice>
-        <mc:Fallback>
+        <mc:Fallback xmlns="">
           <p:sp>
             <p:nvSpPr>
               <p:cNvPr id="57" name="TextBox 56">
@@ -6433,8 +6353,8 @@
           </a:p>
         </p:txBody>
       </p:sp>
-      <mc:AlternateContent xmlns:mc="http://schemas.openxmlformats.org/markup-compatibility/2006">
-        <mc:Choice xmlns:a14="http://schemas.microsoft.com/office/drawing/2010/main" Requires="a14">
+      <mc:AlternateContent xmlns:mc="http://schemas.openxmlformats.org/markup-compatibility/2006" xmlns:a14="http://schemas.microsoft.com/office/drawing/2010/main">
+        <mc:Choice Requires="a14">
           <p:sp>
             <p:nvSpPr>
               <p:cNvPr id="62" name="TextBox 61">
@@ -6463,6 +6383,7 @@
               </a:bodyPr>
               <a:lstStyle/>
               <a:p>
+                <a:pPr/>
                 <a14:m>
                   <m:oMathPara xmlns:m="http://schemas.openxmlformats.org/officeDocument/2006/math">
                     <m:oMathParaPr>
@@ -6514,7 +6435,7 @@
             </p:txBody>
           </p:sp>
         </mc:Choice>
-        <mc:Fallback>
+        <mc:Fallback xmlns="">
           <p:sp>
             <p:nvSpPr>
               <p:cNvPr id="62" name="TextBox 61">
@@ -6559,8 +6480,8 @@
           </p:sp>
         </mc:Fallback>
       </mc:AlternateContent>
-      <mc:AlternateContent xmlns:mc="http://schemas.openxmlformats.org/markup-compatibility/2006">
-        <mc:Choice xmlns:a14="http://schemas.microsoft.com/office/drawing/2010/main" Requires="a14">
+      <mc:AlternateContent xmlns:mc="http://schemas.openxmlformats.org/markup-compatibility/2006" xmlns:a14="http://schemas.microsoft.com/office/drawing/2010/main">
+        <mc:Choice Requires="a14">
           <p:sp>
             <p:nvSpPr>
               <p:cNvPr id="3" name="TextBox 2">
@@ -6589,6 +6510,7 @@
               </a:bodyPr>
               <a:lstStyle/>
               <a:p>
+                <a:pPr/>
                 <a14:m>
                   <m:oMathPara xmlns:m="http://schemas.openxmlformats.org/officeDocument/2006/math">
                     <m:oMathParaPr>
@@ -6609,7 +6531,7 @@
             </p:txBody>
           </p:sp>
         </mc:Choice>
-        <mc:Fallback>
+        <mc:Fallback xmlns="">
           <p:sp>
             <p:nvSpPr>
               <p:cNvPr id="3" name="TextBox 2">
@@ -6654,8 +6576,8 @@
           </p:sp>
         </mc:Fallback>
       </mc:AlternateContent>
-      <mc:AlternateContent xmlns:mc="http://schemas.openxmlformats.org/markup-compatibility/2006">
-        <mc:Choice xmlns:a14="http://schemas.microsoft.com/office/drawing/2010/main" Requires="a14">
+      <mc:AlternateContent xmlns:mc="http://schemas.openxmlformats.org/markup-compatibility/2006" xmlns:a14="http://schemas.microsoft.com/office/drawing/2010/main">
+        <mc:Choice Requires="a14">
           <p:sp>
             <p:nvSpPr>
               <p:cNvPr id="63" name="TextBox 62">
@@ -6684,6 +6606,7 @@
               </a:bodyPr>
               <a:lstStyle/>
               <a:p>
+                <a:pPr/>
                 <a14:m>
                   <m:oMathPara xmlns:m="http://schemas.openxmlformats.org/officeDocument/2006/math">
                     <m:oMathParaPr>
@@ -6704,7 +6627,7 @@
             </p:txBody>
           </p:sp>
         </mc:Choice>
-        <mc:Fallback>
+        <mc:Fallback xmlns="">
           <p:sp>
             <p:nvSpPr>
               <p:cNvPr id="63" name="TextBox 62">
@@ -6749,8 +6672,8 @@
           </p:sp>
         </mc:Fallback>
       </mc:AlternateContent>
-      <mc:AlternateContent xmlns:mc="http://schemas.openxmlformats.org/markup-compatibility/2006">
-        <mc:Choice xmlns:a14="http://schemas.microsoft.com/office/drawing/2010/main" Requires="a14">
+      <mc:AlternateContent xmlns:mc="http://schemas.openxmlformats.org/markup-compatibility/2006" xmlns:a14="http://schemas.microsoft.com/office/drawing/2010/main">
+        <mc:Choice Requires="a14">
           <p:sp>
             <p:nvSpPr>
               <p:cNvPr id="64" name="TextBox 63">
@@ -6779,6 +6702,7 @@
               </a:bodyPr>
               <a:lstStyle/>
               <a:p>
+                <a:pPr/>
                 <a14:m>
                   <m:oMathPara xmlns:m="http://schemas.openxmlformats.org/officeDocument/2006/math">
                     <m:oMathParaPr>
@@ -6799,7 +6723,7 @@
             </p:txBody>
           </p:sp>
         </mc:Choice>
-        <mc:Fallback>
+        <mc:Fallback xmlns="">
           <p:sp>
             <p:nvSpPr>
               <p:cNvPr id="64" name="TextBox 63">
@@ -7024,8 +6948,8 @@
           </a:p>
         </p:txBody>
       </p:sp>
-      <mc:AlternateContent xmlns:mc="http://schemas.openxmlformats.org/markup-compatibility/2006">
-        <mc:Choice xmlns:a14="http://schemas.microsoft.com/office/drawing/2010/main" Requires="a14">
+      <mc:AlternateContent xmlns:mc="http://schemas.openxmlformats.org/markup-compatibility/2006" xmlns:a14="http://schemas.microsoft.com/office/drawing/2010/main">
+        <mc:Choice Requires="a14">
           <p:sp>
             <p:nvSpPr>
               <p:cNvPr id="69" name="TextBox 68">
@@ -7054,6 +6978,7 @@
               </a:bodyPr>
               <a:lstStyle/>
               <a:p>
+                <a:pPr/>
                 <a14:m>
                   <m:oMathPara xmlns:m="http://schemas.openxmlformats.org/officeDocument/2006/math">
                     <m:oMathParaPr>
@@ -7117,7 +7042,7 @@
             </p:txBody>
           </p:sp>
         </mc:Choice>
-        <mc:Fallback>
+        <mc:Fallback xmlns="">
           <p:sp>
             <p:nvSpPr>
               <p:cNvPr id="69" name="TextBox 68">
@@ -7522,8 +7447,8 @@
           </a:p>
         </p:txBody>
       </p:sp>
-      <mc:AlternateContent xmlns:mc="http://schemas.openxmlformats.org/markup-compatibility/2006">
-        <mc:Choice xmlns:a14="http://schemas.microsoft.com/office/drawing/2010/main" Requires="a14">
+      <mc:AlternateContent xmlns:mc="http://schemas.openxmlformats.org/markup-compatibility/2006" xmlns:a14="http://schemas.microsoft.com/office/drawing/2010/main">
+        <mc:Choice Requires="a14">
           <p:sp>
             <p:nvSpPr>
               <p:cNvPr id="80" name="TextBox 79">
@@ -7552,6 +7477,7 @@
               </a:bodyPr>
               <a:lstStyle/>
               <a:p>
+                <a:pPr/>
                 <a14:m>
                   <m:oMathPara xmlns:m="http://schemas.openxmlformats.org/officeDocument/2006/math">
                     <m:oMathParaPr>
@@ -7591,7 +7517,7 @@
             </p:txBody>
           </p:sp>
         </mc:Choice>
-        <mc:Fallback>
+        <mc:Fallback xmlns="">
           <p:sp>
             <p:nvSpPr>
               <p:cNvPr id="80" name="TextBox 79">
@@ -7893,8 +7819,8 @@
           </a:p>
         </p:txBody>
       </p:sp>
-      <mc:AlternateContent xmlns:mc="http://schemas.openxmlformats.org/markup-compatibility/2006">
-        <mc:Choice xmlns:a14="http://schemas.microsoft.com/office/drawing/2010/main" Requires="a14">
+      <mc:AlternateContent xmlns:mc="http://schemas.openxmlformats.org/markup-compatibility/2006" xmlns:a14="http://schemas.microsoft.com/office/drawing/2010/main">
+        <mc:Choice Requires="a14">
           <p:sp>
             <p:nvSpPr>
               <p:cNvPr id="87" name="TextBox 86">
@@ -7923,6 +7849,7 @@
               </a:bodyPr>
               <a:lstStyle/>
               <a:p>
+                <a:pPr/>
                 <a14:m>
                   <m:oMathPara xmlns:m="http://schemas.openxmlformats.org/officeDocument/2006/math">
                     <m:oMathParaPr>
@@ -7986,7 +7913,7 @@
             </p:txBody>
           </p:sp>
         </mc:Choice>
-        <mc:Fallback>
+        <mc:Fallback xmlns="">
           <p:sp>
             <p:nvSpPr>
               <p:cNvPr id="87" name="TextBox 86">
@@ -8211,8 +8138,8 @@
           </a:p>
         </p:txBody>
       </p:sp>
-      <mc:AlternateContent xmlns:mc="http://schemas.openxmlformats.org/markup-compatibility/2006">
-        <mc:Choice xmlns:a14="http://schemas.microsoft.com/office/drawing/2010/main" Requires="a14">
+      <mc:AlternateContent xmlns:mc="http://schemas.openxmlformats.org/markup-compatibility/2006" xmlns:a14="http://schemas.microsoft.com/office/drawing/2010/main">
+        <mc:Choice Requires="a14">
           <p:sp>
             <p:nvSpPr>
               <p:cNvPr id="92" name="TextBox 91">
@@ -8241,6 +8168,7 @@
               </a:bodyPr>
               <a:lstStyle/>
               <a:p>
+                <a:pPr/>
                 <a14:m>
                   <m:oMathPara xmlns:m="http://schemas.openxmlformats.org/officeDocument/2006/math">
                     <m:oMathParaPr>
@@ -8304,7 +8232,7 @@
             </p:txBody>
           </p:sp>
         </mc:Choice>
-        <mc:Fallback>
+        <mc:Fallback xmlns="">
           <p:sp>
             <p:nvSpPr>
               <p:cNvPr id="92" name="TextBox 91">
@@ -8349,8 +8277,8 @@
           </p:sp>
         </mc:Fallback>
       </mc:AlternateContent>
-      <mc:AlternateContent xmlns:mc="http://schemas.openxmlformats.org/markup-compatibility/2006">
-        <mc:Choice xmlns:a14="http://schemas.microsoft.com/office/drawing/2010/main" Requires="a14">
+      <mc:AlternateContent xmlns:mc="http://schemas.openxmlformats.org/markup-compatibility/2006" xmlns:a14="http://schemas.microsoft.com/office/drawing/2010/main">
+        <mc:Choice Requires="a14">
           <p:sp>
             <p:nvSpPr>
               <p:cNvPr id="93" name="TextBox 92">
@@ -8379,6 +8307,7 @@
               </a:bodyPr>
               <a:lstStyle/>
               <a:p>
+                <a:pPr/>
                 <a14:m>
                   <m:oMathPara xmlns:m="http://schemas.openxmlformats.org/officeDocument/2006/math">
                     <m:oMathParaPr>
@@ -8399,7 +8328,7 @@
             </p:txBody>
           </p:sp>
         </mc:Choice>
-        <mc:Fallback>
+        <mc:Fallback xmlns="">
           <p:sp>
             <p:nvSpPr>
               <p:cNvPr id="93" name="TextBox 92">
@@ -8663,8 +8592,8 @@
           </a:p>
         </p:txBody>
       </p:sp>
-      <mc:AlternateContent xmlns:mc="http://schemas.openxmlformats.org/markup-compatibility/2006">
-        <mc:Choice xmlns:a14="http://schemas.microsoft.com/office/drawing/2010/main" Requires="a14">
+      <mc:AlternateContent xmlns:mc="http://schemas.openxmlformats.org/markup-compatibility/2006" xmlns:a14="http://schemas.microsoft.com/office/drawing/2010/main">
+        <mc:Choice Requires="a14">
           <p:sp>
             <p:nvSpPr>
               <p:cNvPr id="99" name="TextBox 98">
@@ -8693,6 +8622,7 @@
               </a:bodyPr>
               <a:lstStyle/>
               <a:p>
+                <a:pPr/>
                 <a14:m>
                   <m:oMathPara xmlns:m="http://schemas.openxmlformats.org/officeDocument/2006/math">
                     <m:oMathParaPr>
@@ -8768,7 +8698,7 @@
             </p:txBody>
           </p:sp>
         </mc:Choice>
-        <mc:Fallback>
+        <mc:Fallback xmlns="">
           <p:sp>
             <p:nvSpPr>
               <p:cNvPr id="99" name="TextBox 98">
@@ -9676,8 +9606,8 @@
           </a:p>
         </p:txBody>
       </p:sp>
-      <mc:AlternateContent xmlns:mc="http://schemas.openxmlformats.org/markup-compatibility/2006">
-        <mc:Choice xmlns:a14="http://schemas.microsoft.com/office/drawing/2010/main" Requires="a14">
+      <mc:AlternateContent xmlns:mc="http://schemas.openxmlformats.org/markup-compatibility/2006" xmlns:a14="http://schemas.microsoft.com/office/drawing/2010/main">
+        <mc:Choice Requires="a14">
           <p:sp>
             <p:nvSpPr>
               <p:cNvPr id="10" name="TextBox 9">
@@ -9706,6 +9636,7 @@
               </a:bodyPr>
               <a:lstStyle/>
               <a:p>
+                <a:pPr/>
                 <a14:m>
                   <m:oMathPara xmlns:m="http://schemas.openxmlformats.org/officeDocument/2006/math">
                     <m:oMathParaPr>
@@ -9757,7 +9688,7 @@
             </p:txBody>
           </p:sp>
         </mc:Choice>
-        <mc:Fallback>
+        <mc:Fallback xmlns="">
           <p:sp>
             <p:nvSpPr>
               <p:cNvPr id="10" name="TextBox 9">
@@ -9802,8 +9733,8 @@
           </p:sp>
         </mc:Fallback>
       </mc:AlternateContent>
-      <mc:AlternateContent xmlns:mc="http://schemas.openxmlformats.org/markup-compatibility/2006">
-        <mc:Choice xmlns:a14="http://schemas.microsoft.com/office/drawing/2010/main" Requires="a14">
+      <mc:AlternateContent xmlns:mc="http://schemas.openxmlformats.org/markup-compatibility/2006" xmlns:a14="http://schemas.microsoft.com/office/drawing/2010/main">
+        <mc:Choice Requires="a14">
           <p:sp>
             <p:nvSpPr>
               <p:cNvPr id="20" name="직사각형 19">
@@ -9903,7 +9834,7 @@
             </p:txBody>
           </p:sp>
         </mc:Choice>
-        <mc:Fallback>
+        <mc:Fallback xmlns="">
           <p:sp>
             <p:nvSpPr>
               <p:cNvPr id="20" name="직사각형 19">
@@ -9949,8 +9880,8 @@
           </p:sp>
         </mc:Fallback>
       </mc:AlternateContent>
-      <mc:AlternateContent xmlns:mc="http://schemas.openxmlformats.org/markup-compatibility/2006">
-        <mc:Choice xmlns:a14="http://schemas.microsoft.com/office/drawing/2010/main" Requires="a14">
+      <mc:AlternateContent xmlns:mc="http://schemas.openxmlformats.org/markup-compatibility/2006" xmlns:a14="http://schemas.microsoft.com/office/drawing/2010/main">
+        <mc:Choice Requires="a14">
           <p:sp>
             <p:nvSpPr>
               <p:cNvPr id="12" name="TextBox 11">
@@ -9979,6 +9910,7 @@
               </a:bodyPr>
               <a:lstStyle/>
               <a:p>
+                <a:pPr/>
                 <a14:m>
                   <m:oMathPara xmlns:m="http://schemas.openxmlformats.org/officeDocument/2006/math">
                     <m:oMathParaPr>
@@ -9999,7 +9931,7 @@
             </p:txBody>
           </p:sp>
         </mc:Choice>
-        <mc:Fallback>
+        <mc:Fallback xmlns="">
           <p:sp>
             <p:nvSpPr>
               <p:cNvPr id="12" name="TextBox 11">
@@ -10355,8 +10287,8 @@
           </a:p>
         </p:txBody>
       </p:sp>
-      <mc:AlternateContent xmlns:mc="http://schemas.openxmlformats.org/markup-compatibility/2006">
-        <mc:Choice xmlns:a14="http://schemas.microsoft.com/office/drawing/2010/main" Requires="a14">
+      <mc:AlternateContent xmlns:mc="http://schemas.openxmlformats.org/markup-compatibility/2006" xmlns:a14="http://schemas.microsoft.com/office/drawing/2010/main">
+        <mc:Choice Requires="a14">
           <p:sp>
             <p:nvSpPr>
               <p:cNvPr id="30" name="TextBox 29">
@@ -10385,6 +10317,7 @@
               </a:bodyPr>
               <a:lstStyle/>
               <a:p>
+                <a:pPr/>
                 <a14:m>
                   <m:oMathPara xmlns:m="http://schemas.openxmlformats.org/officeDocument/2006/math">
                     <m:oMathParaPr>
@@ -10430,7 +10363,7 @@
             </p:txBody>
           </p:sp>
         </mc:Choice>
-        <mc:Fallback>
+        <mc:Fallback xmlns="">
           <p:sp>
             <p:nvSpPr>
               <p:cNvPr id="30" name="TextBox 29">
@@ -10559,8 +10492,8 @@
           </a:p>
         </p:txBody>
       </p:sp>
-      <mc:AlternateContent xmlns:mc="http://schemas.openxmlformats.org/markup-compatibility/2006">
-        <mc:Choice xmlns:a14="http://schemas.microsoft.com/office/drawing/2010/main" Requires="a14">
+      <mc:AlternateContent xmlns:mc="http://schemas.openxmlformats.org/markup-compatibility/2006" xmlns:a14="http://schemas.microsoft.com/office/drawing/2010/main">
+        <mc:Choice Requires="a14">
           <p:sp>
             <p:nvSpPr>
               <p:cNvPr id="33" name="TextBox 32">
@@ -10589,6 +10522,7 @@
               </a:bodyPr>
               <a:lstStyle/>
               <a:p>
+                <a:pPr/>
                 <a14:m>
                   <m:oMathPara xmlns:m="http://schemas.openxmlformats.org/officeDocument/2006/math">
                     <m:oMathParaPr>
@@ -10729,7 +10663,7 @@
             </p:txBody>
           </p:sp>
         </mc:Choice>
-        <mc:Fallback>
+        <mc:Fallback xmlns="">
           <p:sp>
             <p:nvSpPr>
               <p:cNvPr id="33" name="TextBox 32">
@@ -10774,8 +10708,8 @@
           </p:sp>
         </mc:Fallback>
       </mc:AlternateContent>
-      <mc:AlternateContent xmlns:mc="http://schemas.openxmlformats.org/markup-compatibility/2006">
-        <mc:Choice xmlns:a14="http://schemas.microsoft.com/office/drawing/2010/main" Requires="a14">
+      <mc:AlternateContent xmlns:mc="http://schemas.openxmlformats.org/markup-compatibility/2006" xmlns:a14="http://schemas.microsoft.com/office/drawing/2010/main">
+        <mc:Choice Requires="a14">
           <p:sp>
             <p:nvSpPr>
               <p:cNvPr id="34" name="TextBox 33">
@@ -10804,6 +10738,7 @@
               </a:bodyPr>
               <a:lstStyle/>
               <a:p>
+                <a:pPr/>
                 <a14:m>
                   <m:oMathPara xmlns:m="http://schemas.openxmlformats.org/officeDocument/2006/math">
                     <m:oMathParaPr>
@@ -11024,7 +10959,7 @@
             </p:txBody>
           </p:sp>
         </mc:Choice>
-        <mc:Fallback>
+        <mc:Fallback xmlns="">
           <p:sp>
             <p:nvSpPr>
               <p:cNvPr id="34" name="TextBox 33">
@@ -11380,8 +11315,8 @@
           </a:p>
         </p:txBody>
       </p:sp>
-      <mc:AlternateContent xmlns:mc="http://schemas.openxmlformats.org/markup-compatibility/2006">
-        <mc:Choice xmlns:a14="http://schemas.microsoft.com/office/drawing/2010/main" Requires="a14">
+      <mc:AlternateContent xmlns:mc="http://schemas.openxmlformats.org/markup-compatibility/2006" xmlns:a14="http://schemas.microsoft.com/office/drawing/2010/main">
+        <mc:Choice Requires="a14">
           <p:sp>
             <p:nvSpPr>
               <p:cNvPr id="42" name="TextBox 41">
@@ -11410,6 +11345,7 @@
               </a:bodyPr>
               <a:lstStyle/>
               <a:p>
+                <a:pPr/>
                 <a14:m>
                   <m:oMathPara xmlns:m="http://schemas.openxmlformats.org/officeDocument/2006/math">
                     <m:oMathParaPr>
@@ -11576,7 +11512,7 @@
             </p:txBody>
           </p:sp>
         </mc:Choice>
-        <mc:Fallback>
+        <mc:Fallback xmlns="">
           <p:sp>
             <p:nvSpPr>
               <p:cNvPr id="42" name="TextBox 41">
@@ -11932,8 +11868,8 @@
           </a:p>
         </p:txBody>
       </p:sp>
-      <mc:AlternateContent xmlns:mc="http://schemas.openxmlformats.org/markup-compatibility/2006">
-        <mc:Choice xmlns:a14="http://schemas.microsoft.com/office/drawing/2010/main" Requires="a14">
+      <mc:AlternateContent xmlns:mc="http://schemas.openxmlformats.org/markup-compatibility/2006" xmlns:a14="http://schemas.microsoft.com/office/drawing/2010/main">
+        <mc:Choice Requires="a14">
           <p:sp>
             <p:nvSpPr>
               <p:cNvPr id="50" name="TextBox 49">
@@ -11962,6 +11898,7 @@
               </a:bodyPr>
               <a:lstStyle/>
               <a:p>
+                <a:pPr/>
                 <a14:m>
                   <m:oMathPara xmlns:m="http://schemas.openxmlformats.org/officeDocument/2006/math">
                     <m:oMathParaPr>
@@ -12050,7 +11987,7 @@
             </p:txBody>
           </p:sp>
         </mc:Choice>
-        <mc:Fallback>
+        <mc:Fallback xmlns="">
           <p:sp>
             <p:nvSpPr>
               <p:cNvPr id="50" name="TextBox 49">
@@ -12095,8 +12032,8 @@
           </p:sp>
         </mc:Fallback>
       </mc:AlternateContent>
-      <mc:AlternateContent xmlns:mc="http://schemas.openxmlformats.org/markup-compatibility/2006">
-        <mc:Choice xmlns:a14="http://schemas.microsoft.com/office/drawing/2010/main" Requires="a14">
+      <mc:AlternateContent xmlns:mc="http://schemas.openxmlformats.org/markup-compatibility/2006" xmlns:a14="http://schemas.microsoft.com/office/drawing/2010/main">
+        <mc:Choice Requires="a14">
           <p:sp>
             <p:nvSpPr>
               <p:cNvPr id="52" name="TextBox 51">
@@ -12125,7 +12062,6 @@
               </a:bodyPr>
               <a:lstStyle/>
               <a:p>
-                <a:pPr/>
                 <a:r>
                   <a:rPr lang="en-US" altLang="ko-KR" sz="1400" b="0" dirty="0"/>
                   <a:t>(</a:t>
@@ -12171,7 +12107,7 @@
             </p:txBody>
           </p:sp>
         </mc:Choice>
-        <mc:Fallback>
+        <mc:Fallback xmlns="">
           <p:sp>
             <p:nvSpPr>
               <p:cNvPr id="52" name="TextBox 51">
@@ -13535,8 +13471,8 @@
           </a:p>
         </p:txBody>
       </p:sp>
-      <mc:AlternateContent xmlns:mc="http://schemas.openxmlformats.org/markup-compatibility/2006">
-        <mc:Choice xmlns:a14="http://schemas.microsoft.com/office/drawing/2010/main" Requires="a14">
+      <mc:AlternateContent xmlns:mc="http://schemas.openxmlformats.org/markup-compatibility/2006" xmlns:a14="http://schemas.microsoft.com/office/drawing/2010/main">
+        <mc:Choice Requires="a14">
           <p:sp>
             <p:nvSpPr>
               <p:cNvPr id="67" name="TextBox 66">
@@ -13565,6 +13501,7 @@
               </a:bodyPr>
               <a:lstStyle/>
               <a:p>
+                <a:pPr/>
                 <a14:m>
                   <m:oMathPara xmlns:m="http://schemas.openxmlformats.org/officeDocument/2006/math">
                     <m:oMathParaPr>
@@ -13604,7 +13541,7 @@
             </p:txBody>
           </p:sp>
         </mc:Choice>
-        <mc:Fallback>
+        <mc:Fallback xmlns="">
           <p:sp>
             <p:nvSpPr>
               <p:cNvPr id="67" name="TextBox 66">
@@ -13649,8 +13586,8 @@
           </p:sp>
         </mc:Fallback>
       </mc:AlternateContent>
-      <mc:AlternateContent xmlns:mc="http://schemas.openxmlformats.org/markup-compatibility/2006">
-        <mc:Choice xmlns:a14="http://schemas.microsoft.com/office/drawing/2010/main" Requires="a14">
+      <mc:AlternateContent xmlns:mc="http://schemas.openxmlformats.org/markup-compatibility/2006" xmlns:a14="http://schemas.microsoft.com/office/drawing/2010/main">
+        <mc:Choice Requires="a14">
           <p:sp>
             <p:nvSpPr>
               <p:cNvPr id="68" name="TextBox 67">
@@ -13679,6 +13616,7 @@
               </a:bodyPr>
               <a:lstStyle/>
               <a:p>
+                <a:pPr/>
                 <a14:m>
                   <m:oMathPara xmlns:m="http://schemas.openxmlformats.org/officeDocument/2006/math">
                     <m:oMathParaPr>
@@ -13718,7 +13656,7 @@
             </p:txBody>
           </p:sp>
         </mc:Choice>
-        <mc:Fallback>
+        <mc:Fallback xmlns="">
           <p:sp>
             <p:nvSpPr>
               <p:cNvPr id="68" name="TextBox 67">
@@ -13763,8 +13701,8 @@
           </p:sp>
         </mc:Fallback>
       </mc:AlternateContent>
-      <mc:AlternateContent xmlns:mc="http://schemas.openxmlformats.org/markup-compatibility/2006">
-        <mc:Choice xmlns:a14="http://schemas.microsoft.com/office/drawing/2010/main" Requires="a14">
+      <mc:AlternateContent xmlns:mc="http://schemas.openxmlformats.org/markup-compatibility/2006" xmlns:a14="http://schemas.microsoft.com/office/drawing/2010/main">
+        <mc:Choice Requires="a14">
           <p:sp>
             <p:nvSpPr>
               <p:cNvPr id="69" name="TextBox 68">
@@ -13793,6 +13731,7 @@
               </a:bodyPr>
               <a:lstStyle/>
               <a:p>
+                <a:pPr/>
                 <a14:m>
                   <m:oMathPara xmlns:m="http://schemas.openxmlformats.org/officeDocument/2006/math">
                     <m:oMathParaPr>
@@ -13832,7 +13771,7 @@
             </p:txBody>
           </p:sp>
         </mc:Choice>
-        <mc:Fallback>
+        <mc:Fallback xmlns="">
           <p:sp>
             <p:nvSpPr>
               <p:cNvPr id="69" name="TextBox 68">
@@ -14541,8 +14480,8 @@
           </a:fontRef>
         </p:style>
       </p:cxnSp>
-      <mc:AlternateContent xmlns:mc="http://schemas.openxmlformats.org/markup-compatibility/2006">
-        <mc:Choice xmlns:a14="http://schemas.microsoft.com/office/drawing/2010/main" Requires="a14">
+      <mc:AlternateContent xmlns:mc="http://schemas.openxmlformats.org/markup-compatibility/2006" xmlns:a14="http://schemas.microsoft.com/office/drawing/2010/main">
+        <mc:Choice Requires="a14">
           <p:sp>
             <p:nvSpPr>
               <p:cNvPr id="87" name="TextBox 86">
@@ -14571,6 +14510,7 @@
               </a:bodyPr>
               <a:lstStyle/>
               <a:p>
+                <a:pPr/>
                 <a14:m>
                   <m:oMathPara xmlns:m="http://schemas.openxmlformats.org/officeDocument/2006/math">
                     <m:oMathParaPr>
@@ -14610,7 +14550,7 @@
             </p:txBody>
           </p:sp>
         </mc:Choice>
-        <mc:Fallback>
+        <mc:Fallback xmlns="">
           <p:sp>
             <p:nvSpPr>
               <p:cNvPr id="87" name="TextBox 86">
@@ -14655,8 +14595,8 @@
           </p:sp>
         </mc:Fallback>
       </mc:AlternateContent>
-      <mc:AlternateContent xmlns:mc="http://schemas.openxmlformats.org/markup-compatibility/2006">
-        <mc:Choice xmlns:a14="http://schemas.microsoft.com/office/drawing/2010/main" Requires="a14">
+      <mc:AlternateContent xmlns:mc="http://schemas.openxmlformats.org/markup-compatibility/2006" xmlns:a14="http://schemas.microsoft.com/office/drawing/2010/main">
+        <mc:Choice Requires="a14">
           <p:sp>
             <p:nvSpPr>
               <p:cNvPr id="88" name="TextBox 87">
@@ -14685,6 +14625,7 @@
               </a:bodyPr>
               <a:lstStyle/>
               <a:p>
+                <a:pPr/>
                 <a14:m>
                   <m:oMathPara xmlns:m="http://schemas.openxmlformats.org/officeDocument/2006/math">
                     <m:oMathParaPr>
@@ -14724,7 +14665,7 @@
             </p:txBody>
           </p:sp>
         </mc:Choice>
-        <mc:Fallback>
+        <mc:Fallback xmlns="">
           <p:sp>
             <p:nvSpPr>
               <p:cNvPr id="88" name="TextBox 87">
@@ -14769,8 +14710,8 @@
           </p:sp>
         </mc:Fallback>
       </mc:AlternateContent>
-      <mc:AlternateContent xmlns:mc="http://schemas.openxmlformats.org/markup-compatibility/2006">
-        <mc:Choice xmlns:a14="http://schemas.microsoft.com/office/drawing/2010/main" Requires="a14">
+      <mc:AlternateContent xmlns:mc="http://schemas.openxmlformats.org/markup-compatibility/2006" xmlns:a14="http://schemas.microsoft.com/office/drawing/2010/main">
+        <mc:Choice Requires="a14">
           <p:sp>
             <p:nvSpPr>
               <p:cNvPr id="89" name="TextBox 88">
@@ -14799,6 +14740,7 @@
               </a:bodyPr>
               <a:lstStyle/>
               <a:p>
+                <a:pPr/>
                 <a14:m>
                   <m:oMathPara xmlns:m="http://schemas.openxmlformats.org/officeDocument/2006/math">
                     <m:oMathParaPr>
@@ -14838,7 +14780,7 @@
             </p:txBody>
           </p:sp>
         </mc:Choice>
-        <mc:Fallback>
+        <mc:Fallback xmlns="">
           <p:sp>
             <p:nvSpPr>
               <p:cNvPr id="89" name="TextBox 88">
@@ -14883,8 +14825,8 @@
           </p:sp>
         </mc:Fallback>
       </mc:AlternateContent>
-      <mc:AlternateContent xmlns:mc="http://schemas.openxmlformats.org/markup-compatibility/2006">
-        <mc:Choice xmlns:a14="http://schemas.microsoft.com/office/drawing/2010/main" Requires="a14">
+      <mc:AlternateContent xmlns:mc="http://schemas.openxmlformats.org/markup-compatibility/2006" xmlns:a14="http://schemas.microsoft.com/office/drawing/2010/main">
+        <mc:Choice Requires="a14">
           <p:sp>
             <p:nvSpPr>
               <p:cNvPr id="90" name="TextBox 89">
@@ -14913,6 +14855,7 @@
               </a:bodyPr>
               <a:lstStyle/>
               <a:p>
+                <a:pPr/>
                 <a14:m>
                   <m:oMathPara xmlns:m="http://schemas.openxmlformats.org/officeDocument/2006/math">
                     <m:oMathParaPr>
@@ -14934,7 +14877,7 @@
             </p:txBody>
           </p:sp>
         </mc:Choice>
-        <mc:Fallback>
+        <mc:Fallback xmlns="">
           <p:sp>
             <p:nvSpPr>
               <p:cNvPr id="90" name="TextBox 89">
@@ -15643,8 +15586,8 @@
           </a:fontRef>
         </p:style>
       </p:cxnSp>
-      <mc:AlternateContent xmlns:mc="http://schemas.openxmlformats.org/markup-compatibility/2006">
-        <mc:Choice xmlns:a14="http://schemas.microsoft.com/office/drawing/2010/main" Requires="a14">
+      <mc:AlternateContent xmlns:mc="http://schemas.openxmlformats.org/markup-compatibility/2006" xmlns:a14="http://schemas.microsoft.com/office/drawing/2010/main">
+        <mc:Choice Requires="a14">
           <p:sp>
             <p:nvSpPr>
               <p:cNvPr id="108" name="TextBox 107">
@@ -15673,6 +15616,7 @@
               </a:bodyPr>
               <a:lstStyle/>
               <a:p>
+                <a:pPr/>
                 <a14:m>
                   <m:oMathPara xmlns:m="http://schemas.openxmlformats.org/officeDocument/2006/math">
                     <m:oMathParaPr>
@@ -15712,7 +15656,7 @@
             </p:txBody>
           </p:sp>
         </mc:Choice>
-        <mc:Fallback>
+        <mc:Fallback xmlns="">
           <p:sp>
             <p:nvSpPr>
               <p:cNvPr id="108" name="TextBox 107">
@@ -15757,8 +15701,8 @@
           </p:sp>
         </mc:Fallback>
       </mc:AlternateContent>
-      <mc:AlternateContent xmlns:mc="http://schemas.openxmlformats.org/markup-compatibility/2006">
-        <mc:Choice xmlns:a14="http://schemas.microsoft.com/office/drawing/2010/main" Requires="a14">
+      <mc:AlternateContent xmlns:mc="http://schemas.openxmlformats.org/markup-compatibility/2006" xmlns:a14="http://schemas.microsoft.com/office/drawing/2010/main">
+        <mc:Choice Requires="a14">
           <p:sp>
             <p:nvSpPr>
               <p:cNvPr id="109" name="TextBox 108">
@@ -15787,6 +15731,7 @@
               </a:bodyPr>
               <a:lstStyle/>
               <a:p>
+                <a:pPr/>
                 <a14:m>
                   <m:oMathPara xmlns:m="http://schemas.openxmlformats.org/officeDocument/2006/math">
                     <m:oMathParaPr>
@@ -15826,7 +15771,7 @@
             </p:txBody>
           </p:sp>
         </mc:Choice>
-        <mc:Fallback>
+        <mc:Fallback xmlns="">
           <p:sp>
             <p:nvSpPr>
               <p:cNvPr id="109" name="TextBox 108">
@@ -15915,8 +15860,8 @@
           </a:p>
         </p:txBody>
       </p:sp>
-      <mc:AlternateContent xmlns:mc="http://schemas.openxmlformats.org/markup-compatibility/2006">
-        <mc:Choice xmlns:a14="http://schemas.microsoft.com/office/drawing/2010/main" Requires="a14">
+      <mc:AlternateContent xmlns:mc="http://schemas.openxmlformats.org/markup-compatibility/2006" xmlns:a14="http://schemas.microsoft.com/office/drawing/2010/main">
+        <mc:Choice Requires="a14">
           <p:sp>
             <p:nvSpPr>
               <p:cNvPr id="111" name="TextBox 110">
@@ -15945,6 +15890,7 @@
               </a:bodyPr>
               <a:lstStyle/>
               <a:p>
+                <a:pPr/>
                 <a14:m>
                   <m:oMathPara xmlns:m="http://schemas.openxmlformats.org/officeDocument/2006/math">
                     <m:oMathParaPr>
@@ -15984,7 +15930,7 @@
             </p:txBody>
           </p:sp>
         </mc:Choice>
-        <mc:Fallback>
+        <mc:Fallback xmlns="">
           <p:sp>
             <p:nvSpPr>
               <p:cNvPr id="111" name="TextBox 110">
@@ -16107,8 +16053,8 @@
           </a:p>
         </p:txBody>
       </p:sp>
-      <mc:AlternateContent xmlns:mc="http://schemas.openxmlformats.org/markup-compatibility/2006">
-        <mc:Choice xmlns:a14="http://schemas.microsoft.com/office/drawing/2010/main" Requires="a14">
+      <mc:AlternateContent xmlns:mc="http://schemas.openxmlformats.org/markup-compatibility/2006" xmlns:a14="http://schemas.microsoft.com/office/drawing/2010/main">
+        <mc:Choice Requires="a14">
           <p:sp>
             <p:nvSpPr>
               <p:cNvPr id="114" name="TextBox 113">
@@ -16137,6 +16083,7 @@
               </a:bodyPr>
               <a:lstStyle/>
               <a:p>
+                <a:pPr/>
                 <a14:m>
                   <m:oMathPara xmlns:m="http://schemas.openxmlformats.org/officeDocument/2006/math">
                     <m:oMathParaPr>
@@ -16176,7 +16123,7 @@
             </p:txBody>
           </p:sp>
         </mc:Choice>
-        <mc:Fallback>
+        <mc:Fallback xmlns="">
           <p:sp>
             <p:nvSpPr>
               <p:cNvPr id="114" name="TextBox 113">
@@ -16581,8 +16528,8 @@
           </a:p>
         </p:txBody>
       </p:sp>
-      <mc:AlternateContent xmlns:mc="http://schemas.openxmlformats.org/markup-compatibility/2006">
-        <mc:Choice xmlns:a14="http://schemas.microsoft.com/office/drawing/2010/main" Requires="a14">
+      <mc:AlternateContent xmlns:mc="http://schemas.openxmlformats.org/markup-compatibility/2006" xmlns:a14="http://schemas.microsoft.com/office/drawing/2010/main">
+        <mc:Choice Requires="a14">
           <p:sp>
             <p:nvSpPr>
               <p:cNvPr id="123" name="TextBox 122">
@@ -16611,6 +16558,7 @@
               </a:bodyPr>
               <a:lstStyle/>
               <a:p>
+                <a:pPr/>
                 <a14:m>
                   <m:oMathPara xmlns:m="http://schemas.openxmlformats.org/officeDocument/2006/math">
                     <m:oMathParaPr>
@@ -16632,7 +16580,7 @@
             </p:txBody>
           </p:sp>
         </mc:Choice>
-        <mc:Fallback>
+        <mc:Fallback xmlns="">
           <p:sp>
             <p:nvSpPr>
               <p:cNvPr id="123" name="TextBox 122">
@@ -16721,8 +16669,8 @@
           </a:p>
         </p:txBody>
       </p:sp>
-      <mc:AlternateContent xmlns:mc="http://schemas.openxmlformats.org/markup-compatibility/2006">
-        <mc:Choice xmlns:a14="http://schemas.microsoft.com/office/drawing/2010/main" Requires="a14">
+      <mc:AlternateContent xmlns:mc="http://schemas.openxmlformats.org/markup-compatibility/2006" xmlns:a14="http://schemas.microsoft.com/office/drawing/2010/main">
+        <mc:Choice Requires="a14">
           <p:sp>
             <p:nvSpPr>
               <p:cNvPr id="125" name="TextBox 124">
@@ -16751,6 +16699,7 @@
               </a:bodyPr>
               <a:lstStyle/>
               <a:p>
+                <a:pPr/>
                 <a14:m>
                   <m:oMathPara xmlns:m="http://schemas.openxmlformats.org/officeDocument/2006/math">
                     <m:oMathParaPr>
@@ -16790,7 +16739,7 @@
             </p:txBody>
           </p:sp>
         </mc:Choice>
-        <mc:Fallback>
+        <mc:Fallback xmlns="">
           <p:sp>
             <p:nvSpPr>
               <p:cNvPr id="125" name="TextBox 124">
@@ -16871,8 +16820,8 @@
           </a:p>
         </p:txBody>
       </p:sp>
-      <mc:AlternateContent xmlns:mc="http://schemas.openxmlformats.org/markup-compatibility/2006">
-        <mc:Choice xmlns:a14="http://schemas.microsoft.com/office/drawing/2010/main" Requires="a14">
+      <mc:AlternateContent xmlns:mc="http://schemas.openxmlformats.org/markup-compatibility/2006" xmlns:a14="http://schemas.microsoft.com/office/drawing/2010/main">
+        <mc:Choice Requires="a14">
           <p:sp>
             <p:nvSpPr>
               <p:cNvPr id="127" name="TextBox 126">
@@ -16901,6 +16850,7 @@
               </a:bodyPr>
               <a:lstStyle/>
               <a:p>
+                <a:pPr/>
                 <a14:m>
                   <m:oMathPara xmlns:m="http://schemas.openxmlformats.org/officeDocument/2006/math">
                     <m:oMathParaPr>
@@ -16940,7 +16890,7 @@
             </p:txBody>
           </p:sp>
         </mc:Choice>
-        <mc:Fallback>
+        <mc:Fallback xmlns="">
           <p:sp>
             <p:nvSpPr>
               <p:cNvPr id="127" name="TextBox 126">
@@ -16985,8 +16935,8 @@
           </p:sp>
         </mc:Fallback>
       </mc:AlternateContent>
-      <mc:AlternateContent xmlns:mc="http://schemas.openxmlformats.org/markup-compatibility/2006">
-        <mc:Choice xmlns:a14="http://schemas.microsoft.com/office/drawing/2010/main" Requires="a14">
+      <mc:AlternateContent xmlns:mc="http://schemas.openxmlformats.org/markup-compatibility/2006" xmlns:a14="http://schemas.microsoft.com/office/drawing/2010/main">
+        <mc:Choice Requires="a14">
           <p:sp>
             <p:nvSpPr>
               <p:cNvPr id="128" name="TextBox 127">
@@ -17015,6 +16965,7 @@
               </a:bodyPr>
               <a:lstStyle/>
               <a:p>
+                <a:pPr/>
                 <a14:m>
                   <m:oMathPara xmlns:m="http://schemas.openxmlformats.org/officeDocument/2006/math">
                     <m:oMathParaPr>
@@ -17073,7 +17024,7 @@
             </p:txBody>
           </p:sp>
         </mc:Choice>
-        <mc:Fallback>
+        <mc:Fallback xmlns="">
           <p:sp>
             <p:nvSpPr>
               <p:cNvPr id="128" name="TextBox 127">
@@ -17196,8 +17147,8 @@
           </a:fontRef>
         </p:style>
       </p:cxnSp>
-      <mc:AlternateContent xmlns:mc="http://schemas.openxmlformats.org/markup-compatibility/2006">
-        <mc:Choice xmlns:a14="http://schemas.microsoft.com/office/drawing/2010/main" Requires="a14">
+      <mc:AlternateContent xmlns:mc="http://schemas.openxmlformats.org/markup-compatibility/2006" xmlns:a14="http://schemas.microsoft.com/office/drawing/2010/main">
+        <mc:Choice Requires="a14">
           <p:sp>
             <p:nvSpPr>
               <p:cNvPr id="131" name="TextBox 130">
@@ -17226,6 +17177,7 @@
               </a:bodyPr>
               <a:lstStyle/>
               <a:p>
+                <a:pPr/>
                 <a14:m>
                   <m:oMathPara xmlns:m="http://schemas.openxmlformats.org/officeDocument/2006/math">
                     <m:oMathParaPr>
@@ -17246,7 +17198,7 @@
             </p:txBody>
           </p:sp>
         </mc:Choice>
-        <mc:Fallback>
+        <mc:Fallback xmlns="">
           <p:sp>
             <p:nvSpPr>
               <p:cNvPr id="131" name="TextBox 130">
@@ -17762,8 +17714,8 @@
           </a:p>
         </p:txBody>
       </p:sp>
-      <mc:AlternateContent xmlns:mc="http://schemas.openxmlformats.org/markup-compatibility/2006">
-        <mc:Choice xmlns:a14="http://schemas.microsoft.com/office/drawing/2010/main" Requires="a14">
+      <mc:AlternateContent xmlns:mc="http://schemas.openxmlformats.org/markup-compatibility/2006" xmlns:a14="http://schemas.microsoft.com/office/drawing/2010/main">
+        <mc:Choice Requires="a14">
           <p:sp>
             <p:nvSpPr>
               <p:cNvPr id="123" name="TextBox 122">
@@ -17792,6 +17744,7 @@
               </a:bodyPr>
               <a:lstStyle/>
               <a:p>
+                <a:pPr/>
                 <a14:m>
                   <m:oMathPara xmlns:m="http://schemas.openxmlformats.org/officeDocument/2006/math">
                     <m:oMathParaPr>
@@ -17813,7 +17766,7 @@
             </p:txBody>
           </p:sp>
         </mc:Choice>
-        <mc:Fallback>
+        <mc:Fallback xmlns="">
           <p:sp>
             <p:nvSpPr>
               <p:cNvPr id="123" name="TextBox 122">
@@ -17902,8 +17855,8 @@
           </a:p>
         </p:txBody>
       </p:sp>
-      <mc:AlternateContent xmlns:mc="http://schemas.openxmlformats.org/markup-compatibility/2006">
-        <mc:Choice xmlns:a14="http://schemas.microsoft.com/office/drawing/2010/main" Requires="a14">
+      <mc:AlternateContent xmlns:mc="http://schemas.openxmlformats.org/markup-compatibility/2006" xmlns:a14="http://schemas.microsoft.com/office/drawing/2010/main">
+        <mc:Choice Requires="a14">
           <p:sp>
             <p:nvSpPr>
               <p:cNvPr id="125" name="TextBox 124">
@@ -17932,6 +17885,7 @@
               </a:bodyPr>
               <a:lstStyle/>
               <a:p>
+                <a:pPr/>
                 <a14:m>
                   <m:oMathPara xmlns:m="http://schemas.openxmlformats.org/officeDocument/2006/math">
                     <m:oMathParaPr>
@@ -17971,7 +17925,7 @@
             </p:txBody>
           </p:sp>
         </mc:Choice>
-        <mc:Fallback>
+        <mc:Fallback xmlns="">
           <p:sp>
             <p:nvSpPr>
               <p:cNvPr id="125" name="TextBox 124">
@@ -18711,8 +18665,8 @@
           </a:fontRef>
         </p:style>
       </p:cxnSp>
-      <mc:AlternateContent xmlns:mc="http://schemas.openxmlformats.org/markup-compatibility/2006">
-        <mc:Choice xmlns:a14="http://schemas.microsoft.com/office/drawing/2010/main" Requires="a14">
+      <mc:AlternateContent xmlns:mc="http://schemas.openxmlformats.org/markup-compatibility/2006" xmlns:a14="http://schemas.microsoft.com/office/drawing/2010/main">
+        <mc:Choice Requires="a14">
           <p:sp>
             <p:nvSpPr>
               <p:cNvPr id="145" name="TextBox 144">
@@ -18776,7 +18730,7 @@
             </p:txBody>
           </p:sp>
         </mc:Choice>
-        <mc:Fallback>
+        <mc:Fallback xmlns="">
           <p:sp>
             <p:nvSpPr>
               <p:cNvPr id="145" name="TextBox 144">
@@ -18821,8 +18775,8 @@
           </p:sp>
         </mc:Fallback>
       </mc:AlternateContent>
-      <mc:AlternateContent xmlns:mc="http://schemas.openxmlformats.org/markup-compatibility/2006">
-        <mc:Choice xmlns:a14="http://schemas.microsoft.com/office/drawing/2010/main" Requires="a14">
+      <mc:AlternateContent xmlns:mc="http://schemas.openxmlformats.org/markup-compatibility/2006" xmlns:a14="http://schemas.microsoft.com/office/drawing/2010/main">
+        <mc:Choice Requires="a14">
           <p:sp>
             <p:nvSpPr>
               <p:cNvPr id="171" name="TextBox 170">
@@ -18872,7 +18826,7 @@
             </p:txBody>
           </p:sp>
         </mc:Choice>
-        <mc:Fallback>
+        <mc:Fallback xmlns="">
           <p:sp>
             <p:nvSpPr>
               <p:cNvPr id="171" name="TextBox 170">
@@ -18917,8 +18871,8 @@
           </p:sp>
         </mc:Fallback>
       </mc:AlternateContent>
-      <mc:AlternateContent xmlns:mc="http://schemas.openxmlformats.org/markup-compatibility/2006">
-        <mc:Choice xmlns:a14="http://schemas.microsoft.com/office/drawing/2010/main" Requires="a14">
+      <mc:AlternateContent xmlns:mc="http://schemas.openxmlformats.org/markup-compatibility/2006" xmlns:a14="http://schemas.microsoft.com/office/drawing/2010/main">
+        <mc:Choice Requires="a14">
           <p:sp>
             <p:nvSpPr>
               <p:cNvPr id="172" name="TextBox 171">
@@ -18987,7 +18941,7 @@
             </p:txBody>
           </p:sp>
         </mc:Choice>
-        <mc:Fallback>
+        <mc:Fallback xmlns="">
           <p:sp>
             <p:nvSpPr>
               <p:cNvPr id="172" name="TextBox 171">
@@ -19032,8 +18986,8 @@
           </p:sp>
         </mc:Fallback>
       </mc:AlternateContent>
-      <mc:AlternateContent xmlns:mc="http://schemas.openxmlformats.org/markup-compatibility/2006">
-        <mc:Choice xmlns:a14="http://schemas.microsoft.com/office/drawing/2010/main" Requires="a14">
+      <mc:AlternateContent xmlns:mc="http://schemas.openxmlformats.org/markup-compatibility/2006" xmlns:a14="http://schemas.microsoft.com/office/drawing/2010/main">
+        <mc:Choice Requires="a14">
           <p:sp>
             <p:nvSpPr>
               <p:cNvPr id="173" name="TextBox 172">
@@ -19102,7 +19056,7 @@
             </p:txBody>
           </p:sp>
         </mc:Choice>
-        <mc:Fallback>
+        <mc:Fallback xmlns="">
           <p:sp>
             <p:nvSpPr>
               <p:cNvPr id="173" name="TextBox 172">
@@ -19147,8 +19101,8 @@
           </p:sp>
         </mc:Fallback>
       </mc:AlternateContent>
-      <mc:AlternateContent xmlns:mc="http://schemas.openxmlformats.org/markup-compatibility/2006">
-        <mc:Choice xmlns:a14="http://schemas.microsoft.com/office/drawing/2010/main" Requires="a14">
+      <mc:AlternateContent xmlns:mc="http://schemas.openxmlformats.org/markup-compatibility/2006" xmlns:a14="http://schemas.microsoft.com/office/drawing/2010/main">
+        <mc:Choice Requires="a14">
           <p:sp>
             <p:nvSpPr>
               <p:cNvPr id="176" name="TextBox 175">
@@ -19177,6 +19131,7 @@
               </a:bodyPr>
               <a:lstStyle/>
               <a:p>
+                <a:pPr/>
                 <a14:m>
                   <m:oMathPara xmlns:m="http://schemas.openxmlformats.org/officeDocument/2006/math">
                     <m:oMathParaPr>
@@ -19198,7 +19153,7 @@
             </p:txBody>
           </p:sp>
         </mc:Choice>
-        <mc:Fallback>
+        <mc:Fallback xmlns="">
           <p:sp>
             <p:nvSpPr>
               <p:cNvPr id="176" name="TextBox 175">
@@ -19969,8 +19924,8 @@
           </a:fontRef>
         </p:style>
       </p:cxnSp>
-      <mc:AlternateContent xmlns:mc="http://schemas.openxmlformats.org/markup-compatibility/2006">
-        <mc:Choice xmlns:a14="http://schemas.microsoft.com/office/drawing/2010/main" Requires="a14">
+      <mc:AlternateContent xmlns:mc="http://schemas.openxmlformats.org/markup-compatibility/2006" xmlns:a14="http://schemas.microsoft.com/office/drawing/2010/main">
+        <mc:Choice Requires="a14">
           <p:sp>
             <p:nvSpPr>
               <p:cNvPr id="194" name="TextBox 193">
@@ -19999,6 +19954,7 @@
               </a:bodyPr>
               <a:lstStyle/>
               <a:p>
+                <a:pPr/>
                 <a14:m>
                   <m:oMathPara xmlns:m="http://schemas.openxmlformats.org/officeDocument/2006/math">
                     <m:oMathParaPr>
@@ -20107,7 +20063,7 @@
             </p:txBody>
           </p:sp>
         </mc:Choice>
-        <mc:Fallback>
+        <mc:Fallback xmlns="">
           <p:sp>
             <p:nvSpPr>
               <p:cNvPr id="194" name="TextBox 193">
@@ -20152,8 +20108,8 @@
           </p:sp>
         </mc:Fallback>
       </mc:AlternateContent>
-      <mc:AlternateContent xmlns:mc="http://schemas.openxmlformats.org/markup-compatibility/2006">
-        <mc:Choice xmlns:a14="http://schemas.microsoft.com/office/drawing/2010/main" Requires="a14">
+      <mc:AlternateContent xmlns:mc="http://schemas.openxmlformats.org/markup-compatibility/2006" xmlns:a14="http://schemas.microsoft.com/office/drawing/2010/main">
+        <mc:Choice Requires="a14">
           <p:sp>
             <p:nvSpPr>
               <p:cNvPr id="196" name="TextBox 195">
@@ -20182,6 +20138,7 @@
               </a:bodyPr>
               <a:lstStyle/>
               <a:p>
+                <a:pPr/>
                 <a14:m>
                   <m:oMathPara xmlns:m="http://schemas.openxmlformats.org/officeDocument/2006/math">
                     <m:oMathParaPr>
@@ -20290,7 +20247,7 @@
             </p:txBody>
           </p:sp>
         </mc:Choice>
-        <mc:Fallback>
+        <mc:Fallback xmlns="">
           <p:sp>
             <p:nvSpPr>
               <p:cNvPr id="196" name="TextBox 195">
@@ -20335,8 +20292,8 @@
           </p:sp>
         </mc:Fallback>
       </mc:AlternateContent>
-      <mc:AlternateContent xmlns:mc="http://schemas.openxmlformats.org/markup-compatibility/2006">
-        <mc:Choice xmlns:a14="http://schemas.microsoft.com/office/drawing/2010/main" Requires="a14">
+      <mc:AlternateContent xmlns:mc="http://schemas.openxmlformats.org/markup-compatibility/2006" xmlns:a14="http://schemas.microsoft.com/office/drawing/2010/main">
+        <mc:Choice Requires="a14">
           <p:sp>
             <p:nvSpPr>
               <p:cNvPr id="197" name="TextBox 196">
@@ -20365,6 +20322,7 @@
               </a:bodyPr>
               <a:lstStyle/>
               <a:p>
+                <a:pPr/>
                 <a14:m>
                   <m:oMathPara xmlns:m="http://schemas.openxmlformats.org/officeDocument/2006/math">
                     <m:oMathParaPr>
@@ -20386,7 +20344,7 @@
             </p:txBody>
           </p:sp>
         </mc:Choice>
-        <mc:Fallback>
+        <mc:Fallback xmlns="">
           <p:sp>
             <p:nvSpPr>
               <p:cNvPr id="197" name="TextBox 196">
@@ -20529,8 +20487,8 @@
           </a:p>
         </p:txBody>
       </p:sp>
-      <mc:AlternateContent xmlns:mc="http://schemas.openxmlformats.org/markup-compatibility/2006">
-        <mc:Choice xmlns:a14="http://schemas.microsoft.com/office/drawing/2010/main" Requires="a14">
+      <mc:AlternateContent xmlns:mc="http://schemas.openxmlformats.org/markup-compatibility/2006" xmlns:a14="http://schemas.microsoft.com/office/drawing/2010/main">
+        <mc:Choice Requires="a14">
           <p:sp>
             <p:nvSpPr>
               <p:cNvPr id="200" name="TextBox 199">
@@ -20559,6 +20517,7 @@
               </a:bodyPr>
               <a:lstStyle/>
               <a:p>
+                <a:pPr/>
                 <a14:m>
                   <m:oMathPara xmlns:m="http://schemas.openxmlformats.org/officeDocument/2006/math">
                     <m:oMathParaPr>
@@ -20652,7 +20611,7 @@
             </p:txBody>
           </p:sp>
         </mc:Choice>
-        <mc:Fallback>
+        <mc:Fallback xmlns="">
           <p:sp>
             <p:nvSpPr>
               <p:cNvPr id="200" name="TextBox 199">
@@ -22398,8 +22357,8 @@
           </a:p>
         </p:txBody>
       </p:sp>
-      <mc:AlternateContent xmlns:mc="http://schemas.openxmlformats.org/markup-compatibility/2006">
-        <mc:Choice xmlns:a14="http://schemas.microsoft.com/office/drawing/2010/main" Requires="a14">
+      <mc:AlternateContent xmlns:mc="http://schemas.openxmlformats.org/markup-compatibility/2006" xmlns:a14="http://schemas.microsoft.com/office/drawing/2010/main">
+        <mc:Choice Requires="a14">
           <p:sp>
             <p:nvSpPr>
               <p:cNvPr id="73" name="TextBox 72">
@@ -22428,6 +22387,7 @@
               </a:bodyPr>
               <a:lstStyle/>
               <a:p>
+                <a:pPr/>
                 <a14:m>
                   <m:oMathPara xmlns:m="http://schemas.openxmlformats.org/officeDocument/2006/math">
                     <m:oMathParaPr>
@@ -22467,7 +22427,7 @@
             </p:txBody>
           </p:sp>
         </mc:Choice>
-        <mc:Fallback>
+        <mc:Fallback xmlns="">
           <p:sp>
             <p:nvSpPr>
               <p:cNvPr id="73" name="TextBox 72">
@@ -22512,8 +22472,8 @@
           </p:sp>
         </mc:Fallback>
       </mc:AlternateContent>
-      <mc:AlternateContent xmlns:mc="http://schemas.openxmlformats.org/markup-compatibility/2006">
-        <mc:Choice xmlns:a14="http://schemas.microsoft.com/office/drawing/2010/main" Requires="a14">
+      <mc:AlternateContent xmlns:mc="http://schemas.openxmlformats.org/markup-compatibility/2006" xmlns:a14="http://schemas.microsoft.com/office/drawing/2010/main">
+        <mc:Choice Requires="a14">
           <p:sp>
             <p:nvSpPr>
               <p:cNvPr id="74" name="TextBox 73">
@@ -22542,6 +22502,7 @@
               </a:bodyPr>
               <a:lstStyle/>
               <a:p>
+                <a:pPr/>
                 <a14:m>
                   <m:oMathPara xmlns:m="http://schemas.openxmlformats.org/officeDocument/2006/math">
                     <m:oMathParaPr>
@@ -22581,7 +22542,7 @@
             </p:txBody>
           </p:sp>
         </mc:Choice>
-        <mc:Fallback>
+        <mc:Fallback xmlns="">
           <p:sp>
             <p:nvSpPr>
               <p:cNvPr id="74" name="TextBox 73">
@@ -22626,8 +22587,8 @@
           </p:sp>
         </mc:Fallback>
       </mc:AlternateContent>
-      <mc:AlternateContent xmlns:mc="http://schemas.openxmlformats.org/markup-compatibility/2006">
-        <mc:Choice xmlns:a14="http://schemas.microsoft.com/office/drawing/2010/main" Requires="a14">
+      <mc:AlternateContent xmlns:mc="http://schemas.openxmlformats.org/markup-compatibility/2006" xmlns:a14="http://schemas.microsoft.com/office/drawing/2010/main">
+        <mc:Choice Requires="a14">
           <p:sp>
             <p:nvSpPr>
               <p:cNvPr id="75" name="TextBox 74">
@@ -22656,6 +22617,7 @@
               </a:bodyPr>
               <a:lstStyle/>
               <a:p>
+                <a:pPr/>
                 <a14:m>
                   <m:oMathPara xmlns:m="http://schemas.openxmlformats.org/officeDocument/2006/math">
                     <m:oMathParaPr>
@@ -22695,7 +22657,7 @@
             </p:txBody>
           </p:sp>
         </mc:Choice>
-        <mc:Fallback>
+        <mc:Fallback xmlns="">
           <p:sp>
             <p:nvSpPr>
               <p:cNvPr id="75" name="TextBox 74">
@@ -23404,8 +23366,8 @@
           </a:fontRef>
         </p:style>
       </p:cxnSp>
-      <mc:AlternateContent xmlns:mc="http://schemas.openxmlformats.org/markup-compatibility/2006">
-        <mc:Choice xmlns:a14="http://schemas.microsoft.com/office/drawing/2010/main" Requires="a14">
+      <mc:AlternateContent xmlns:mc="http://schemas.openxmlformats.org/markup-compatibility/2006" xmlns:a14="http://schemas.microsoft.com/office/drawing/2010/main">
+        <mc:Choice Requires="a14">
           <p:sp>
             <p:nvSpPr>
               <p:cNvPr id="100" name="TextBox 99">
@@ -23434,6 +23396,7 @@
               </a:bodyPr>
               <a:lstStyle/>
               <a:p>
+                <a:pPr/>
                 <a14:m>
                   <m:oMathPara xmlns:m="http://schemas.openxmlformats.org/officeDocument/2006/math">
                     <m:oMathParaPr>
@@ -23473,7 +23436,7 @@
             </p:txBody>
           </p:sp>
         </mc:Choice>
-        <mc:Fallback>
+        <mc:Fallback xmlns="">
           <p:sp>
             <p:nvSpPr>
               <p:cNvPr id="100" name="TextBox 99">
@@ -23518,8 +23481,8 @@
           </p:sp>
         </mc:Fallback>
       </mc:AlternateContent>
-      <mc:AlternateContent xmlns:mc="http://schemas.openxmlformats.org/markup-compatibility/2006">
-        <mc:Choice xmlns:a14="http://schemas.microsoft.com/office/drawing/2010/main" Requires="a14">
+      <mc:AlternateContent xmlns:mc="http://schemas.openxmlformats.org/markup-compatibility/2006" xmlns:a14="http://schemas.microsoft.com/office/drawing/2010/main">
+        <mc:Choice Requires="a14">
           <p:sp>
             <p:nvSpPr>
               <p:cNvPr id="101" name="TextBox 100">
@@ -23548,6 +23511,7 @@
               </a:bodyPr>
               <a:lstStyle/>
               <a:p>
+                <a:pPr/>
                 <a14:m>
                   <m:oMathPara xmlns:m="http://schemas.openxmlformats.org/officeDocument/2006/math">
                     <m:oMathParaPr>
@@ -23587,7 +23551,7 @@
             </p:txBody>
           </p:sp>
         </mc:Choice>
-        <mc:Fallback>
+        <mc:Fallback xmlns="">
           <p:sp>
             <p:nvSpPr>
               <p:cNvPr id="101" name="TextBox 100">
@@ -23632,8 +23596,8 @@
           </p:sp>
         </mc:Fallback>
       </mc:AlternateContent>
-      <mc:AlternateContent xmlns:mc="http://schemas.openxmlformats.org/markup-compatibility/2006">
-        <mc:Choice xmlns:a14="http://schemas.microsoft.com/office/drawing/2010/main" Requires="a14">
+      <mc:AlternateContent xmlns:mc="http://schemas.openxmlformats.org/markup-compatibility/2006" xmlns:a14="http://schemas.microsoft.com/office/drawing/2010/main">
+        <mc:Choice Requires="a14">
           <p:sp>
             <p:nvSpPr>
               <p:cNvPr id="102" name="TextBox 101">
@@ -23662,6 +23626,7 @@
               </a:bodyPr>
               <a:lstStyle/>
               <a:p>
+                <a:pPr/>
                 <a14:m>
                   <m:oMathPara xmlns:m="http://schemas.openxmlformats.org/officeDocument/2006/math">
                     <m:oMathParaPr>
@@ -23701,7 +23666,7 @@
             </p:txBody>
           </p:sp>
         </mc:Choice>
-        <mc:Fallback>
+        <mc:Fallback xmlns="">
           <p:sp>
             <p:nvSpPr>
               <p:cNvPr id="102" name="TextBox 101">
@@ -23746,8 +23711,8 @@
           </p:sp>
         </mc:Fallback>
       </mc:AlternateContent>
-      <mc:AlternateContent xmlns:mc="http://schemas.openxmlformats.org/markup-compatibility/2006">
-        <mc:Choice xmlns:a14="http://schemas.microsoft.com/office/drawing/2010/main" Requires="a14">
+      <mc:AlternateContent xmlns:mc="http://schemas.openxmlformats.org/markup-compatibility/2006" xmlns:a14="http://schemas.microsoft.com/office/drawing/2010/main">
+        <mc:Choice Requires="a14">
           <p:sp>
             <p:nvSpPr>
               <p:cNvPr id="103" name="TextBox 102">
@@ -23776,6 +23741,7 @@
               </a:bodyPr>
               <a:lstStyle/>
               <a:p>
+                <a:pPr/>
                 <a14:m>
                   <m:oMathPara xmlns:m="http://schemas.openxmlformats.org/officeDocument/2006/math">
                     <m:oMathParaPr>
@@ -23797,7 +23763,7 @@
             </p:txBody>
           </p:sp>
         </mc:Choice>
-        <mc:Fallback>
+        <mc:Fallback xmlns="">
           <p:sp>
             <p:nvSpPr>
               <p:cNvPr id="103" name="TextBox 102">
@@ -24506,8 +24472,8 @@
           </a:fontRef>
         </p:style>
       </p:cxnSp>
-      <mc:AlternateContent xmlns:mc="http://schemas.openxmlformats.org/markup-compatibility/2006">
-        <mc:Choice xmlns:a14="http://schemas.microsoft.com/office/drawing/2010/main" Requires="a14">
+      <mc:AlternateContent xmlns:mc="http://schemas.openxmlformats.org/markup-compatibility/2006" xmlns:a14="http://schemas.microsoft.com/office/drawing/2010/main">
+        <mc:Choice Requires="a14">
           <p:sp>
             <p:nvSpPr>
               <p:cNvPr id="152" name="TextBox 151">
@@ -24536,6 +24502,7 @@
               </a:bodyPr>
               <a:lstStyle/>
               <a:p>
+                <a:pPr/>
                 <a14:m>
                   <m:oMathPara xmlns:m="http://schemas.openxmlformats.org/officeDocument/2006/math">
                     <m:oMathParaPr>
@@ -24575,7 +24542,7 @@
             </p:txBody>
           </p:sp>
         </mc:Choice>
-        <mc:Fallback>
+        <mc:Fallback xmlns="">
           <p:sp>
             <p:nvSpPr>
               <p:cNvPr id="152" name="TextBox 151">
@@ -24620,8 +24587,8 @@
           </p:sp>
         </mc:Fallback>
       </mc:AlternateContent>
-      <mc:AlternateContent xmlns:mc="http://schemas.openxmlformats.org/markup-compatibility/2006">
-        <mc:Choice xmlns:a14="http://schemas.microsoft.com/office/drawing/2010/main" Requires="a14">
+      <mc:AlternateContent xmlns:mc="http://schemas.openxmlformats.org/markup-compatibility/2006" xmlns:a14="http://schemas.microsoft.com/office/drawing/2010/main">
+        <mc:Choice Requires="a14">
           <p:sp>
             <p:nvSpPr>
               <p:cNvPr id="153" name="TextBox 152">
@@ -24650,6 +24617,7 @@
               </a:bodyPr>
               <a:lstStyle/>
               <a:p>
+                <a:pPr/>
                 <a14:m>
                   <m:oMathPara xmlns:m="http://schemas.openxmlformats.org/officeDocument/2006/math">
                     <m:oMathParaPr>
@@ -24689,7 +24657,7 @@
             </p:txBody>
           </p:sp>
         </mc:Choice>
-        <mc:Fallback>
+        <mc:Fallback xmlns="">
           <p:sp>
             <p:nvSpPr>
               <p:cNvPr id="153" name="TextBox 152">
@@ -24778,8 +24746,8 @@
           </a:p>
         </p:txBody>
       </p:sp>
-      <mc:AlternateContent xmlns:mc="http://schemas.openxmlformats.org/markup-compatibility/2006">
-        <mc:Choice xmlns:a14="http://schemas.microsoft.com/office/drawing/2010/main" Requires="a14">
+      <mc:AlternateContent xmlns:mc="http://schemas.openxmlformats.org/markup-compatibility/2006" xmlns:a14="http://schemas.microsoft.com/office/drawing/2010/main">
+        <mc:Choice Requires="a14">
           <p:sp>
             <p:nvSpPr>
               <p:cNvPr id="155" name="TextBox 154">
@@ -24808,6 +24776,7 @@
               </a:bodyPr>
               <a:lstStyle/>
               <a:p>
+                <a:pPr/>
                 <a14:m>
                   <m:oMathPara xmlns:m="http://schemas.openxmlformats.org/officeDocument/2006/math">
                     <m:oMathParaPr>
@@ -24847,7 +24816,7 @@
             </p:txBody>
           </p:sp>
         </mc:Choice>
-        <mc:Fallback>
+        <mc:Fallback xmlns="">
           <p:sp>
             <p:nvSpPr>
               <p:cNvPr id="155" name="TextBox 154">
@@ -24928,8 +24897,8 @@
           </a:p>
         </p:txBody>
       </p:sp>
-      <mc:AlternateContent xmlns:mc="http://schemas.openxmlformats.org/markup-compatibility/2006">
-        <mc:Choice xmlns:a14="http://schemas.microsoft.com/office/drawing/2010/main" Requires="a14">
+      <mc:AlternateContent xmlns:mc="http://schemas.openxmlformats.org/markup-compatibility/2006" xmlns:a14="http://schemas.microsoft.com/office/drawing/2010/main">
+        <mc:Choice Requires="a14">
           <p:sp>
             <p:nvSpPr>
               <p:cNvPr id="158" name="TextBox 157">
@@ -24958,6 +24927,7 @@
               </a:bodyPr>
               <a:lstStyle/>
               <a:p>
+                <a:pPr/>
                 <a14:m>
                   <m:oMathPara xmlns:m="http://schemas.openxmlformats.org/officeDocument/2006/math">
                     <m:oMathParaPr>
@@ -24997,7 +24967,7 @@
             </p:txBody>
           </p:sp>
         </mc:Choice>
-        <mc:Fallback>
+        <mc:Fallback xmlns="">
           <p:sp>
             <p:nvSpPr>
               <p:cNvPr id="158" name="TextBox 157">
@@ -25402,8 +25372,8 @@
           </a:p>
         </p:txBody>
       </p:sp>
-      <mc:AlternateContent xmlns:mc="http://schemas.openxmlformats.org/markup-compatibility/2006">
-        <mc:Choice xmlns:a14="http://schemas.microsoft.com/office/drawing/2010/main" Requires="a14">
+      <mc:AlternateContent xmlns:mc="http://schemas.openxmlformats.org/markup-compatibility/2006" xmlns:a14="http://schemas.microsoft.com/office/drawing/2010/main">
+        <mc:Choice Requires="a14">
           <p:sp>
             <p:nvSpPr>
               <p:cNvPr id="167" name="TextBox 166">
@@ -25432,6 +25402,7 @@
               </a:bodyPr>
               <a:lstStyle/>
               <a:p>
+                <a:pPr/>
                 <a14:m>
                   <m:oMathPara xmlns:m="http://schemas.openxmlformats.org/officeDocument/2006/math">
                     <m:oMathParaPr>
@@ -25453,7 +25424,7 @@
             </p:txBody>
           </p:sp>
         </mc:Choice>
-        <mc:Fallback>
+        <mc:Fallback xmlns="">
           <p:sp>
             <p:nvSpPr>
               <p:cNvPr id="167" name="TextBox 166">
@@ -25542,8 +25513,8 @@
           </a:p>
         </p:txBody>
       </p:sp>
-      <mc:AlternateContent xmlns:mc="http://schemas.openxmlformats.org/markup-compatibility/2006">
-        <mc:Choice xmlns:a14="http://schemas.microsoft.com/office/drawing/2010/main" Requires="a14">
+      <mc:AlternateContent xmlns:mc="http://schemas.openxmlformats.org/markup-compatibility/2006" xmlns:a14="http://schemas.microsoft.com/office/drawing/2010/main">
+        <mc:Choice Requires="a14">
           <p:sp>
             <p:nvSpPr>
               <p:cNvPr id="170" name="TextBox 169">
@@ -25572,6 +25543,7 @@
               </a:bodyPr>
               <a:lstStyle/>
               <a:p>
+                <a:pPr/>
                 <a14:m>
                   <m:oMathPara xmlns:m="http://schemas.openxmlformats.org/officeDocument/2006/math">
                     <m:oMathParaPr>
@@ -25611,7 +25583,7 @@
             </p:txBody>
           </p:sp>
         </mc:Choice>
-        <mc:Fallback>
+        <mc:Fallback xmlns="">
           <p:sp>
             <p:nvSpPr>
               <p:cNvPr id="170" name="TextBox 169">
@@ -25770,8 +25742,8 @@
           </a:fontRef>
         </p:style>
       </p:cxnSp>
-      <mc:AlternateContent xmlns:mc="http://schemas.openxmlformats.org/markup-compatibility/2006">
-        <mc:Choice xmlns:a14="http://schemas.microsoft.com/office/drawing/2010/main" Requires="a14">
+      <mc:AlternateContent xmlns:mc="http://schemas.openxmlformats.org/markup-compatibility/2006" xmlns:a14="http://schemas.microsoft.com/office/drawing/2010/main">
+        <mc:Choice Requires="a14">
           <p:sp>
             <p:nvSpPr>
               <p:cNvPr id="175" name="TextBox 174">
@@ -25800,6 +25772,7 @@
               </a:bodyPr>
               <a:lstStyle/>
               <a:p>
+                <a:pPr/>
                 <a14:m>
                   <m:oMathPara xmlns:m="http://schemas.openxmlformats.org/officeDocument/2006/math">
                     <m:oMathParaPr>
@@ -25839,7 +25812,7 @@
             </p:txBody>
           </p:sp>
         </mc:Choice>
-        <mc:Fallback>
+        <mc:Fallback xmlns="">
           <p:sp>
             <p:nvSpPr>
               <p:cNvPr id="175" name="TextBox 174">
@@ -25884,8 +25857,8 @@
           </p:sp>
         </mc:Fallback>
       </mc:AlternateContent>
-      <mc:AlternateContent xmlns:mc="http://schemas.openxmlformats.org/markup-compatibility/2006">
-        <mc:Choice xmlns:a14="http://schemas.microsoft.com/office/drawing/2010/main" Requires="a14">
+      <mc:AlternateContent xmlns:mc="http://schemas.openxmlformats.org/markup-compatibility/2006" xmlns:a14="http://schemas.microsoft.com/office/drawing/2010/main">
+        <mc:Choice Requires="a14">
           <p:sp>
             <p:nvSpPr>
               <p:cNvPr id="176" name="TextBox 175">
@@ -25914,6 +25887,7 @@
               </a:bodyPr>
               <a:lstStyle/>
               <a:p>
+                <a:pPr/>
                 <a14:m>
                   <m:oMathPara xmlns:m="http://schemas.openxmlformats.org/officeDocument/2006/math">
                     <m:oMathParaPr>
@@ -25972,7 +25946,7 @@
             </p:txBody>
           </p:sp>
         </mc:Choice>
-        <mc:Fallback>
+        <mc:Fallback xmlns="">
           <p:sp>
             <p:nvSpPr>
               <p:cNvPr id="176" name="TextBox 175">
@@ -26095,8 +26069,8 @@
           </a:fontRef>
         </p:style>
       </p:cxnSp>
-      <mc:AlternateContent xmlns:mc="http://schemas.openxmlformats.org/markup-compatibility/2006">
-        <mc:Choice xmlns:a14="http://schemas.microsoft.com/office/drawing/2010/main" Requires="a14">
+      <mc:AlternateContent xmlns:mc="http://schemas.openxmlformats.org/markup-compatibility/2006" xmlns:a14="http://schemas.microsoft.com/office/drawing/2010/main">
+        <mc:Choice Requires="a14">
           <p:sp>
             <p:nvSpPr>
               <p:cNvPr id="106" name="TextBox 105">
@@ -26125,6 +26099,7 @@
               </a:bodyPr>
               <a:lstStyle/>
               <a:p>
+                <a:pPr/>
                 <a14:m>
                   <m:oMathPara xmlns:m="http://schemas.openxmlformats.org/officeDocument/2006/math">
                     <m:oMathParaPr>
@@ -26310,7 +26285,7 @@
             </p:txBody>
           </p:sp>
         </mc:Choice>
-        <mc:Fallback>
+        <mc:Fallback xmlns="">
           <p:sp>
             <p:nvSpPr>
               <p:cNvPr id="106" name="TextBox 105">
@@ -26355,8 +26330,8 @@
           </p:sp>
         </mc:Fallback>
       </mc:AlternateContent>
-      <mc:AlternateContent xmlns:mc="http://schemas.openxmlformats.org/markup-compatibility/2006">
-        <mc:Choice xmlns:a14="http://schemas.microsoft.com/office/drawing/2010/main" Requires="a14">
+      <mc:AlternateContent xmlns:mc="http://schemas.openxmlformats.org/markup-compatibility/2006" xmlns:a14="http://schemas.microsoft.com/office/drawing/2010/main">
+        <mc:Choice Requires="a14">
           <p:sp>
             <p:nvSpPr>
               <p:cNvPr id="107" name="TextBox 106">
@@ -26647,7 +26622,7 @@
             </p:txBody>
           </p:sp>
         </mc:Choice>
-        <mc:Fallback>
+        <mc:Fallback xmlns="">
           <p:sp>
             <p:nvSpPr>
               <p:cNvPr id="107" name="TextBox 106">
@@ -26873,8 +26848,8 @@
           </a:p>
         </p:txBody>
       </p:sp>
-      <mc:AlternateContent xmlns:mc="http://schemas.openxmlformats.org/markup-compatibility/2006">
-        <mc:Choice xmlns:a14="http://schemas.microsoft.com/office/drawing/2010/main" Requires="a14">
+      <mc:AlternateContent xmlns:mc="http://schemas.openxmlformats.org/markup-compatibility/2006" xmlns:a14="http://schemas.microsoft.com/office/drawing/2010/main">
+        <mc:Choice Requires="a14">
           <p:sp>
             <p:nvSpPr>
               <p:cNvPr id="110" name="TextBox 109">
@@ -26903,6 +26878,7 @@
               </a:bodyPr>
               <a:lstStyle/>
               <a:p>
+                <a:pPr/>
                 <a14:m>
                   <m:oMathPara xmlns:m="http://schemas.openxmlformats.org/officeDocument/2006/math">
                     <m:oMathParaPr>
@@ -26923,7 +26899,7 @@
             </p:txBody>
           </p:sp>
         </mc:Choice>
-        <mc:Fallback>
+        <mc:Fallback xmlns="">
           <p:sp>
             <p:nvSpPr>
               <p:cNvPr id="110" name="TextBox 109">
